--- a/unit2/class slides/Unit 2 Class 8.pptx
+++ b/unit2/class slides/Unit 2 Class 8.pptx
@@ -321,7 +321,7 @@
           <a:p>
             <a:fld id="{6BFECD78-3C8E-49F2-8FAB-59489D168ABB}" type="datetimeFigureOut">
               <a:rPr lang="en-US" smtClean="0"/>
-              <a:t>9/19/16</a:t>
+              <a:t>9/20/16</a:t>
             </a:fld>
             <a:endParaRPr lang="en-US"/>
           </a:p>
@@ -491,7 +491,7 @@
           <a:p>
             <a:fld id="{6BFECD78-3C8E-49F2-8FAB-59489D168ABB}" type="datetimeFigureOut">
               <a:rPr lang="en-US" smtClean="0"/>
-              <a:t>9/19/16</a:t>
+              <a:t>9/20/16</a:t>
             </a:fld>
             <a:endParaRPr lang="en-US"/>
           </a:p>
@@ -671,7 +671,7 @@
           <a:p>
             <a:fld id="{6BFECD78-3C8E-49F2-8FAB-59489D168ABB}" type="datetimeFigureOut">
               <a:rPr lang="en-US" smtClean="0"/>
-              <a:t>9/19/16</a:t>
+              <a:t>9/20/16</a:t>
             </a:fld>
             <a:endParaRPr lang="en-US"/>
           </a:p>
@@ -841,7 +841,7 @@
           <a:p>
             <a:fld id="{6BFECD78-3C8E-49F2-8FAB-59489D168ABB}" type="datetimeFigureOut">
               <a:rPr lang="en-US" smtClean="0"/>
-              <a:t>9/19/16</a:t>
+              <a:t>9/20/16</a:t>
             </a:fld>
             <a:endParaRPr lang="en-US"/>
           </a:p>
@@ -1087,7 +1087,7 @@
           <a:p>
             <a:fld id="{6BFECD78-3C8E-49F2-8FAB-59489D168ABB}" type="datetimeFigureOut">
               <a:rPr lang="en-US" smtClean="0"/>
-              <a:t>9/19/16</a:t>
+              <a:t>9/20/16</a:t>
             </a:fld>
             <a:endParaRPr lang="en-US"/>
           </a:p>
@@ -1375,7 +1375,7 @@
           <a:p>
             <a:fld id="{6BFECD78-3C8E-49F2-8FAB-59489D168ABB}" type="datetimeFigureOut">
               <a:rPr lang="en-US" smtClean="0"/>
-              <a:t>9/19/16</a:t>
+              <a:t>9/20/16</a:t>
             </a:fld>
             <a:endParaRPr lang="en-US"/>
           </a:p>
@@ -1797,7 +1797,7 @@
           <a:p>
             <a:fld id="{6BFECD78-3C8E-49F2-8FAB-59489D168ABB}" type="datetimeFigureOut">
               <a:rPr lang="en-US" smtClean="0"/>
-              <a:t>9/19/16</a:t>
+              <a:t>9/20/16</a:t>
             </a:fld>
             <a:endParaRPr lang="en-US"/>
           </a:p>
@@ -1915,7 +1915,7 @@
           <a:p>
             <a:fld id="{6BFECD78-3C8E-49F2-8FAB-59489D168ABB}" type="datetimeFigureOut">
               <a:rPr lang="en-US" smtClean="0"/>
-              <a:t>9/19/16</a:t>
+              <a:t>9/20/16</a:t>
             </a:fld>
             <a:endParaRPr lang="en-US"/>
           </a:p>
@@ -2010,7 +2010,7 @@
           <a:p>
             <a:fld id="{6BFECD78-3C8E-49F2-8FAB-59489D168ABB}" type="datetimeFigureOut">
               <a:rPr lang="en-US" smtClean="0"/>
-              <a:t>9/19/16</a:t>
+              <a:t>9/20/16</a:t>
             </a:fld>
             <a:endParaRPr lang="en-US"/>
           </a:p>
@@ -2287,7 +2287,7 @@
           <a:p>
             <a:fld id="{6BFECD78-3C8E-49F2-8FAB-59489D168ABB}" type="datetimeFigureOut">
               <a:rPr lang="en-US" smtClean="0"/>
-              <a:t>9/19/16</a:t>
+              <a:t>9/20/16</a:t>
             </a:fld>
             <a:endParaRPr lang="en-US"/>
           </a:p>
@@ -2544,7 +2544,7 @@
           <a:p>
             <a:fld id="{6BFECD78-3C8E-49F2-8FAB-59489D168ABB}" type="datetimeFigureOut">
               <a:rPr lang="en-US" smtClean="0"/>
-              <a:t>9/19/16</a:t>
+              <a:t>9/20/16</a:t>
             </a:fld>
             <a:endParaRPr lang="en-US"/>
           </a:p>
@@ -2757,7 +2757,7 @@
           <a:p>
             <a:fld id="{6BFECD78-3C8E-49F2-8FAB-59489D168ABB}" type="datetimeFigureOut">
               <a:rPr lang="en-US" smtClean="0"/>
-              <a:t>9/19/16</a:t>
+              <a:t>9/20/16</a:t>
             </a:fld>
             <a:endParaRPr lang="en-US"/>
           </a:p>
@@ -3194,6 +3194,13 @@
   <p:clrMapOvr>
     <a:masterClrMapping/>
   </p:clrMapOvr>
+  <p:timing>
+    <p:tnLst>
+      <p:par>
+        <p:cTn xmlns:p14="http://schemas.microsoft.com/office/powerpoint/2010/main" id="1" dur="indefinite" restart="never" nodeType="tmRoot"/>
+      </p:par>
+    </p:tnLst>
+  </p:timing>
 </p:sld>
 </file>
 
@@ -3248,6 +3255,13 @@
   <p:clrMapOvr>
     <a:masterClrMapping/>
   </p:clrMapOvr>
+  <p:timing>
+    <p:tnLst>
+      <p:par>
+        <p:cTn xmlns:p14="http://schemas.microsoft.com/office/powerpoint/2010/main" id="1" dur="indefinite" restart="never" nodeType="tmRoot"/>
+      </p:par>
+    </p:tnLst>
+  </p:timing>
 </p:sld>
 </file>
 
@@ -3302,6 +3316,13 @@
   <p:clrMapOvr>
     <a:masterClrMapping/>
   </p:clrMapOvr>
+  <p:timing>
+    <p:tnLst>
+      <p:par>
+        <p:cTn xmlns:p14="http://schemas.microsoft.com/office/powerpoint/2010/main" id="1" dur="indefinite" restart="never" nodeType="tmRoot"/>
+      </p:par>
+    </p:tnLst>
+  </p:timing>
 </p:sld>
 </file>
 
@@ -3356,6 +3377,13 @@
   <p:clrMapOvr>
     <a:masterClrMapping/>
   </p:clrMapOvr>
+  <p:timing>
+    <p:tnLst>
+      <p:par>
+        <p:cTn xmlns:p14="http://schemas.microsoft.com/office/powerpoint/2010/main" id="1" dur="indefinite" restart="never" nodeType="tmRoot"/>
+      </p:par>
+    </p:tnLst>
+  </p:timing>
 </p:sld>
 </file>
 
@@ -3410,6 +3438,13 @@
   <p:clrMapOvr>
     <a:masterClrMapping/>
   </p:clrMapOvr>
+  <p:timing>
+    <p:tnLst>
+      <p:par>
+        <p:cTn xmlns:p14="http://schemas.microsoft.com/office/powerpoint/2010/main" id="1" dur="indefinite" restart="never" nodeType="tmRoot"/>
+      </p:par>
+    </p:tnLst>
+  </p:timing>
 </p:sld>
 </file>
 
@@ -3464,6 +3499,13 @@
   <p:clrMapOvr>
     <a:masterClrMapping/>
   </p:clrMapOvr>
+  <p:timing>
+    <p:tnLst>
+      <p:par>
+        <p:cTn xmlns:p14="http://schemas.microsoft.com/office/powerpoint/2010/main" id="1" dur="indefinite" restart="never" nodeType="tmRoot"/>
+      </p:par>
+    </p:tnLst>
+  </p:timing>
 </p:sld>
 </file>
 
@@ -3518,6 +3560,13 @@
   <p:clrMapOvr>
     <a:masterClrMapping/>
   </p:clrMapOvr>
+  <p:timing>
+    <p:tnLst>
+      <p:par>
+        <p:cTn xmlns:p14="http://schemas.microsoft.com/office/powerpoint/2010/main" id="1" dur="indefinite" restart="never" nodeType="tmRoot"/>
+      </p:par>
+    </p:tnLst>
+  </p:timing>
 </p:sld>
 </file>
 
@@ -3572,6 +3621,13 @@
   <p:clrMapOvr>
     <a:masterClrMapping/>
   </p:clrMapOvr>
+  <p:timing>
+    <p:tnLst>
+      <p:par>
+        <p:cTn xmlns:p14="http://schemas.microsoft.com/office/powerpoint/2010/main" id="1" dur="indefinite" restart="never" nodeType="tmRoot"/>
+      </p:par>
+    </p:tnLst>
+  </p:timing>
 </p:sld>
 </file>
 
@@ -3626,6 +3682,13 @@
   <p:clrMapOvr>
     <a:masterClrMapping/>
   </p:clrMapOvr>
+  <p:timing>
+    <p:tnLst>
+      <p:par>
+        <p:cTn xmlns:p14="http://schemas.microsoft.com/office/powerpoint/2010/main" id="1" dur="indefinite" restart="never" nodeType="tmRoot"/>
+      </p:par>
+    </p:tnLst>
+  </p:timing>
 </p:sld>
 </file>
 
@@ -3680,6 +3743,13 @@
   <p:clrMapOvr>
     <a:masterClrMapping/>
   </p:clrMapOvr>
+  <p:timing>
+    <p:tnLst>
+      <p:par>
+        <p:cTn xmlns:p14="http://schemas.microsoft.com/office/powerpoint/2010/main" id="1" dur="indefinite" restart="never" nodeType="tmRoot"/>
+      </p:par>
+    </p:tnLst>
+  </p:timing>
 </p:sld>
 </file>
 
@@ -3734,6 +3804,13 @@
   <p:clrMapOvr>
     <a:masterClrMapping/>
   </p:clrMapOvr>
+  <p:timing>
+    <p:tnLst>
+      <p:par>
+        <p:cTn xmlns:p14="http://schemas.microsoft.com/office/powerpoint/2010/main" id="1" dur="indefinite" restart="never" nodeType="tmRoot"/>
+      </p:par>
+    </p:tnLst>
+  </p:timing>
 </p:sld>
 </file>
 
@@ -3788,6 +3865,13 @@
   <p:clrMapOvr>
     <a:masterClrMapping/>
   </p:clrMapOvr>
+  <p:timing>
+    <p:tnLst>
+      <p:par>
+        <p:cTn xmlns:p14="http://schemas.microsoft.com/office/powerpoint/2010/main" id="1" dur="indefinite" restart="never" nodeType="tmRoot"/>
+      </p:par>
+    </p:tnLst>
+  </p:timing>
 </p:sld>
 </file>
 
@@ -3842,6 +3926,13 @@
   <p:clrMapOvr>
     <a:masterClrMapping/>
   </p:clrMapOvr>
+  <p:timing>
+    <p:tnLst>
+      <p:par>
+        <p:cTn xmlns:p14="http://schemas.microsoft.com/office/powerpoint/2010/main" id="1" dur="indefinite" restart="never" nodeType="tmRoot"/>
+      </p:par>
+    </p:tnLst>
+  </p:timing>
 </p:sld>
 </file>
 
@@ -3896,6 +3987,13 @@
   <p:clrMapOvr>
     <a:masterClrMapping/>
   </p:clrMapOvr>
+  <p:timing>
+    <p:tnLst>
+      <p:par>
+        <p:cTn xmlns:p14="http://schemas.microsoft.com/office/powerpoint/2010/main" id="1" dur="indefinite" restart="never" nodeType="tmRoot"/>
+      </p:par>
+    </p:tnLst>
+  </p:timing>
 </p:sld>
 </file>
 
@@ -3950,6 +4048,13 @@
   <p:clrMapOvr>
     <a:masterClrMapping/>
   </p:clrMapOvr>
+  <p:timing>
+    <p:tnLst>
+      <p:par>
+        <p:cTn xmlns:p14="http://schemas.microsoft.com/office/powerpoint/2010/main" id="1" dur="indefinite" restart="never" nodeType="tmRoot"/>
+      </p:par>
+    </p:tnLst>
+  </p:timing>
 </p:sld>
 </file>
 
@@ -4004,6 +4109,13 @@
   <p:clrMapOvr>
     <a:masterClrMapping/>
   </p:clrMapOvr>
+  <p:timing>
+    <p:tnLst>
+      <p:par>
+        <p:cTn xmlns:p14="http://schemas.microsoft.com/office/powerpoint/2010/main" id="1" dur="indefinite" restart="never" nodeType="tmRoot"/>
+      </p:par>
+    </p:tnLst>
+  </p:timing>
 </p:sld>
 </file>
 
@@ -4058,6 +4170,13 @@
   <p:clrMapOvr>
     <a:masterClrMapping/>
   </p:clrMapOvr>
+  <p:timing>
+    <p:tnLst>
+      <p:par>
+        <p:cTn xmlns:p14="http://schemas.microsoft.com/office/powerpoint/2010/main" id="1" dur="indefinite" restart="never" nodeType="tmRoot"/>
+      </p:par>
+    </p:tnLst>
+  </p:timing>
 </p:sld>
 </file>
 
@@ -4112,6 +4231,13 @@
   <p:clrMapOvr>
     <a:masterClrMapping/>
   </p:clrMapOvr>
+  <p:timing>
+    <p:tnLst>
+      <p:par>
+        <p:cTn xmlns:p14="http://schemas.microsoft.com/office/powerpoint/2010/main" id="1" dur="indefinite" restart="never" nodeType="tmRoot"/>
+      </p:par>
+    </p:tnLst>
+  </p:timing>
 </p:sld>
 </file>
 
@@ -4166,6 +4292,13 @@
   <p:clrMapOvr>
     <a:masterClrMapping/>
   </p:clrMapOvr>
+  <p:timing>
+    <p:tnLst>
+      <p:par>
+        <p:cTn xmlns:p14="http://schemas.microsoft.com/office/powerpoint/2010/main" id="1" dur="indefinite" restart="never" nodeType="tmRoot"/>
+      </p:par>
+    </p:tnLst>
+  </p:timing>
 </p:sld>
 </file>
 
@@ -4220,6 +4353,13 @@
   <p:clrMapOvr>
     <a:masterClrMapping/>
   </p:clrMapOvr>
+  <p:timing>
+    <p:tnLst>
+      <p:par>
+        <p:cTn xmlns:p14="http://schemas.microsoft.com/office/powerpoint/2010/main" id="1" dur="indefinite" restart="never" nodeType="tmRoot"/>
+      </p:par>
+    </p:tnLst>
+  </p:timing>
 </p:sld>
 </file>
 
@@ -4274,6 +4414,13 @@
   <p:clrMapOvr>
     <a:masterClrMapping/>
   </p:clrMapOvr>
+  <p:timing>
+    <p:tnLst>
+      <p:par>
+        <p:cTn xmlns:p14="http://schemas.microsoft.com/office/powerpoint/2010/main" id="1" dur="indefinite" restart="never" nodeType="tmRoot"/>
+      </p:par>
+    </p:tnLst>
+  </p:timing>
 </p:sld>
 </file>
 
@@ -4328,6 +4475,13 @@
   <p:clrMapOvr>
     <a:masterClrMapping/>
   </p:clrMapOvr>
+  <p:timing>
+    <p:tnLst>
+      <p:par>
+        <p:cTn xmlns:p14="http://schemas.microsoft.com/office/powerpoint/2010/main" id="1" dur="indefinite" restart="never" nodeType="tmRoot"/>
+      </p:par>
+    </p:tnLst>
+  </p:timing>
 </p:sld>
 </file>
 
@@ -4382,6 +4536,13 @@
   <p:clrMapOvr>
     <a:masterClrMapping/>
   </p:clrMapOvr>
+  <p:timing>
+    <p:tnLst>
+      <p:par>
+        <p:cTn xmlns:p14="http://schemas.microsoft.com/office/powerpoint/2010/main" id="1" dur="indefinite" restart="never" nodeType="tmRoot"/>
+      </p:par>
+    </p:tnLst>
+  </p:timing>
 </p:sld>
 </file>
 
@@ -4436,6 +4597,13 @@
   <p:clrMapOvr>
     <a:masterClrMapping/>
   </p:clrMapOvr>
+  <p:timing>
+    <p:tnLst>
+      <p:par>
+        <p:cTn xmlns:p14="http://schemas.microsoft.com/office/powerpoint/2010/main" id="1" dur="indefinite" restart="never" nodeType="tmRoot"/>
+      </p:par>
+    </p:tnLst>
+  </p:timing>
 </p:sld>
 </file>
 
@@ -4706,6 +4874,13 @@
   <p:clrMapOvr>
     <a:masterClrMapping/>
   </p:clrMapOvr>
+  <p:timing>
+    <p:tnLst>
+      <p:par>
+        <p:cTn xmlns:p14="http://schemas.microsoft.com/office/powerpoint/2010/main" id="1" dur="indefinite" restart="never" nodeType="tmRoot"/>
+      </p:par>
+    </p:tnLst>
+  </p:timing>
 </p:sld>
 </file>
 
@@ -4760,6 +4935,13 @@
   <p:clrMapOvr>
     <a:masterClrMapping/>
   </p:clrMapOvr>
+  <p:timing>
+    <p:tnLst>
+      <p:par>
+        <p:cTn xmlns:p14="http://schemas.microsoft.com/office/powerpoint/2010/main" id="1" dur="indefinite" restart="never" nodeType="tmRoot"/>
+      </p:par>
+    </p:tnLst>
+  </p:timing>
 </p:sld>
 </file>
 
@@ -4814,6 +4996,13 @@
   <p:clrMapOvr>
     <a:masterClrMapping/>
   </p:clrMapOvr>
+  <p:timing>
+    <p:tnLst>
+      <p:par>
+        <p:cTn xmlns:p14="http://schemas.microsoft.com/office/powerpoint/2010/main" id="1" dur="indefinite" restart="never" nodeType="tmRoot"/>
+      </p:par>
+    </p:tnLst>
+  </p:timing>
 </p:sld>
 </file>
 
@@ -4868,6 +5057,13 @@
   <p:clrMapOvr>
     <a:masterClrMapping/>
   </p:clrMapOvr>
+  <p:timing>
+    <p:tnLst>
+      <p:par>
+        <p:cTn xmlns:p14="http://schemas.microsoft.com/office/powerpoint/2010/main" id="1" dur="indefinite" restart="never" nodeType="tmRoot"/>
+      </p:par>
+    </p:tnLst>
+  </p:timing>
 </p:sld>
 </file>
 
@@ -4922,6 +5118,13 @@
   <p:clrMapOvr>
     <a:masterClrMapping/>
   </p:clrMapOvr>
+  <p:timing>
+    <p:tnLst>
+      <p:par>
+        <p:cTn xmlns:p14="http://schemas.microsoft.com/office/powerpoint/2010/main" id="1" dur="indefinite" restart="never" nodeType="tmRoot"/>
+      </p:par>
+    </p:tnLst>
+  </p:timing>
 </p:sld>
 </file>
 
@@ -4976,6 +5179,13 @@
   <p:clrMapOvr>
     <a:masterClrMapping/>
   </p:clrMapOvr>
+  <p:timing>
+    <p:tnLst>
+      <p:par>
+        <p:cTn xmlns:p14="http://schemas.microsoft.com/office/powerpoint/2010/main" id="1" dur="indefinite" restart="never" nodeType="tmRoot"/>
+      </p:par>
+    </p:tnLst>
+  </p:timing>
 </p:sld>
 </file>
 
